--- a/PSdir_PowerPoint.pptx
+++ b/PSdir_PowerPoint.pptx
@@ -11,6 +11,8 @@
     <p:sldId id="261" r:id="rId5"/>
     <p:sldId id="262" r:id="rId6"/>
     <p:sldId id="263" r:id="rId7"/>
+    <p:sldId id="266" r:id="rId8"/>
+    <p:sldId id="265" r:id="rId9"/>
   </p:sldIdLst>
   <p:sldSz cx="12192000" cy="6858000"/>
   <p:notesSz cx="6858000" cy="9144000"/>
@@ -359,7 +361,7 @@
               <a:rPr lang="en-US" smtClean="0"/>
               <a:t>1/22/2020</a:t>
             </a:fld>
-            <a:endParaRPr lang="en-US"/>
+            <a:endParaRPr lang="en-US" dirty="0"/>
           </a:p>
         </p:txBody>
       </p:sp>
@@ -394,7 +396,7 @@
             </a:lvl1pPr>
           </a:lstStyle>
           <a:p>
-            <a:endParaRPr lang="en-US"/>
+            <a:endParaRPr lang="en-US" dirty="0"/>
           </a:p>
         </p:txBody>
       </p:sp>
@@ -433,7 +435,7 @@
               <a:rPr lang="en-US" smtClean="0"/>
               <a:t>‹#›</a:t>
             </a:fld>
-            <a:endParaRPr lang="en-US"/>
+            <a:endParaRPr lang="en-US" dirty="0"/>
           </a:p>
         </p:txBody>
       </p:sp>
@@ -621,7 +623,7 @@
               <a:rPr lang="en-US" smtClean="0"/>
               <a:t>1/22/2020</a:t>
             </a:fld>
-            <a:endParaRPr lang="en-US"/>
+            <a:endParaRPr lang="en-US" dirty="0"/>
           </a:p>
         </p:txBody>
       </p:sp>
@@ -640,7 +642,7 @@
           <a:bodyPr/>
           <a:lstStyle/>
           <a:p>
-            <a:endParaRPr lang="en-US"/>
+            <a:endParaRPr lang="en-US" dirty="0"/>
           </a:p>
         </p:txBody>
       </p:sp>
@@ -663,7 +665,7 @@
               <a:rPr lang="en-US" smtClean="0"/>
               <a:t>‹#›</a:t>
             </a:fld>
-            <a:endParaRPr lang="en-US"/>
+            <a:endParaRPr lang="en-US" dirty="0"/>
           </a:p>
         </p:txBody>
       </p:sp>
@@ -856,7 +858,7 @@
               <a:rPr lang="en-US" smtClean="0"/>
               <a:t>1/22/2020</a:t>
             </a:fld>
-            <a:endParaRPr lang="en-US"/>
+            <a:endParaRPr lang="en-US" dirty="0"/>
           </a:p>
         </p:txBody>
       </p:sp>
@@ -880,7 +882,7 @@
           <a:bodyPr/>
           <a:lstStyle/>
           <a:p>
-            <a:endParaRPr lang="en-US"/>
+            <a:endParaRPr lang="en-US" dirty="0"/>
           </a:p>
         </p:txBody>
       </p:sp>
@@ -919,7 +921,7 @@
               <a:rPr lang="en-US" smtClean="0"/>
               <a:t>‹#›</a:t>
             </a:fld>
-            <a:endParaRPr lang="en-US"/>
+            <a:endParaRPr lang="en-US" dirty="0"/>
           </a:p>
         </p:txBody>
       </p:sp>
@@ -1096,7 +1098,7 @@
               <a:rPr lang="en-US" smtClean="0"/>
               <a:t>1/22/2020</a:t>
             </a:fld>
-            <a:endParaRPr lang="en-US"/>
+            <a:endParaRPr lang="en-US" dirty="0"/>
           </a:p>
         </p:txBody>
       </p:sp>
@@ -1115,7 +1117,7 @@
           <a:bodyPr/>
           <a:lstStyle/>
           <a:p>
-            <a:endParaRPr lang="en-US"/>
+            <a:endParaRPr lang="en-US" dirty="0"/>
           </a:p>
         </p:txBody>
       </p:sp>
@@ -1143,7 +1145,7 @@
               <a:rPr lang="en-US" smtClean="0"/>
               <a:t>‹#›</a:t>
             </a:fld>
-            <a:endParaRPr lang="en-US"/>
+            <a:endParaRPr lang="en-US" dirty="0"/>
           </a:p>
         </p:txBody>
       </p:sp>
@@ -1403,7 +1405,7 @@
               <a:rPr lang="en-US" smtClean="0"/>
               <a:t>1/22/2020</a:t>
             </a:fld>
-            <a:endParaRPr lang="en-US"/>
+            <a:endParaRPr lang="en-US" dirty="0"/>
           </a:p>
         </p:txBody>
       </p:sp>
@@ -1433,7 +1435,7 @@
             </a:lvl1pPr>
           </a:lstStyle>
           <a:p>
-            <a:endParaRPr lang="en-US"/>
+            <a:endParaRPr lang="en-US" dirty="0"/>
           </a:p>
         </p:txBody>
       </p:sp>
@@ -1467,7 +1469,7 @@
               <a:rPr lang="en-US" smtClean="0"/>
               <a:t>‹#›</a:t>
             </a:fld>
-            <a:endParaRPr lang="en-US"/>
+            <a:endParaRPr lang="en-US" dirty="0"/>
           </a:p>
         </p:txBody>
       </p:sp>
@@ -1705,7 +1707,7 @@
               <a:rPr lang="en-US" smtClean="0"/>
               <a:t>1/22/2020</a:t>
             </a:fld>
-            <a:endParaRPr lang="en-US"/>
+            <a:endParaRPr lang="en-US" dirty="0"/>
           </a:p>
         </p:txBody>
       </p:sp>
@@ -1724,7 +1726,7 @@
           <a:bodyPr/>
           <a:lstStyle/>
           <a:p>
-            <a:endParaRPr lang="en-US"/>
+            <a:endParaRPr lang="en-US" dirty="0"/>
           </a:p>
         </p:txBody>
       </p:sp>
@@ -1747,7 +1749,7 @@
               <a:rPr lang="en-US" smtClean="0"/>
               <a:t>‹#›</a:t>
             </a:fld>
-            <a:endParaRPr lang="en-US"/>
+            <a:endParaRPr lang="en-US" dirty="0"/>
           </a:p>
         </p:txBody>
       </p:sp>
@@ -2127,7 +2129,7 @@
               <a:rPr lang="en-US" smtClean="0"/>
               <a:t>1/22/2020</a:t>
             </a:fld>
-            <a:endParaRPr lang="en-US"/>
+            <a:endParaRPr lang="en-US" dirty="0"/>
           </a:p>
         </p:txBody>
       </p:sp>
@@ -2146,7 +2148,7 @@
           <a:bodyPr/>
           <a:lstStyle/>
           <a:p>
-            <a:endParaRPr lang="en-US"/>
+            <a:endParaRPr lang="en-US" dirty="0"/>
           </a:p>
         </p:txBody>
       </p:sp>
@@ -2169,7 +2171,7 @@
               <a:rPr lang="en-US" smtClean="0"/>
               <a:t>‹#›</a:t>
             </a:fld>
-            <a:endParaRPr lang="en-US"/>
+            <a:endParaRPr lang="en-US" dirty="0"/>
           </a:p>
         </p:txBody>
       </p:sp>
@@ -2289,7 +2291,7 @@
               <a:rPr lang="en-US" smtClean="0"/>
               <a:t>1/22/2020</a:t>
             </a:fld>
-            <a:endParaRPr lang="en-US"/>
+            <a:endParaRPr lang="en-US" dirty="0"/>
           </a:p>
         </p:txBody>
       </p:sp>
@@ -2308,7 +2310,7 @@
           <a:bodyPr/>
           <a:lstStyle/>
           <a:p>
-            <a:endParaRPr lang="en-US"/>
+            <a:endParaRPr lang="en-US" dirty="0"/>
           </a:p>
         </p:txBody>
       </p:sp>
@@ -2331,7 +2333,7 @@
               <a:rPr lang="en-US" smtClean="0"/>
               <a:t>‹#›</a:t>
             </a:fld>
-            <a:endParaRPr lang="en-US"/>
+            <a:endParaRPr lang="en-US" dirty="0"/>
           </a:p>
         </p:txBody>
       </p:sp>
@@ -2384,7 +2386,7 @@
               <a:rPr lang="en-US" smtClean="0"/>
               <a:t>1/22/2020</a:t>
             </a:fld>
-            <a:endParaRPr lang="en-US"/>
+            <a:endParaRPr lang="en-US" dirty="0"/>
           </a:p>
         </p:txBody>
       </p:sp>
@@ -2403,7 +2405,7 @@
           <a:bodyPr/>
           <a:lstStyle/>
           <a:p>
-            <a:endParaRPr lang="en-US"/>
+            <a:endParaRPr lang="en-US" dirty="0"/>
           </a:p>
         </p:txBody>
       </p:sp>
@@ -2426,7 +2428,7 @@
               <a:rPr lang="en-US" smtClean="0"/>
               <a:t>‹#›</a:t>
             </a:fld>
-            <a:endParaRPr lang="en-US"/>
+            <a:endParaRPr lang="en-US" dirty="0"/>
           </a:p>
         </p:txBody>
       </p:sp>
@@ -2762,7 +2764,7 @@
               <a:rPr lang="en-US" smtClean="0"/>
               <a:t>1/22/2020</a:t>
             </a:fld>
-            <a:endParaRPr lang="en-US"/>
+            <a:endParaRPr lang="en-US" dirty="0"/>
           </a:p>
         </p:txBody>
       </p:sp>
@@ -2792,7 +2794,7 @@
             </a:lvl1pPr>
           </a:lstStyle>
           <a:p>
-            <a:endParaRPr lang="en-US"/>
+            <a:endParaRPr lang="en-US" dirty="0"/>
           </a:p>
         </p:txBody>
       </p:sp>
@@ -2826,7 +2828,7 @@
               <a:rPr lang="en-US" smtClean="0"/>
               <a:t>‹#›</a:t>
             </a:fld>
-            <a:endParaRPr lang="en-US"/>
+            <a:endParaRPr lang="en-US" dirty="0"/>
           </a:p>
         </p:txBody>
       </p:sp>
@@ -2958,7 +2960,7 @@
           </a:lstStyle>
           <a:p>
             <a:r>
-              <a:rPr lang="en-US" smtClean="0"/>
+              <a:rPr lang="en-US" dirty="0" smtClean="0"/>
               <a:t>Click icon to add picture</a:t>
             </a:r>
             <a:endParaRPr lang="en-US" dirty="0"/>
@@ -3051,7 +3053,7 @@
               <a:rPr lang="en-US" smtClean="0"/>
               <a:t>1/22/2020</a:t>
             </a:fld>
-            <a:endParaRPr lang="en-US"/>
+            <a:endParaRPr lang="en-US" dirty="0"/>
           </a:p>
         </p:txBody>
       </p:sp>
@@ -3070,7 +3072,7 @@
           <a:bodyPr/>
           <a:lstStyle/>
           <a:p>
-            <a:endParaRPr lang="en-US"/>
+            <a:endParaRPr lang="en-US" dirty="0"/>
           </a:p>
         </p:txBody>
       </p:sp>
@@ -3093,7 +3095,7 @@
               <a:rPr lang="en-US" smtClean="0"/>
               <a:t>‹#›</a:t>
             </a:fld>
-            <a:endParaRPr lang="en-US"/>
+            <a:endParaRPr lang="en-US" dirty="0"/>
           </a:p>
         </p:txBody>
       </p:sp>
@@ -3262,7 +3264,7 @@
               <a:rPr lang="en-US" smtClean="0"/>
               <a:t>1/22/2020</a:t>
             </a:fld>
-            <a:endParaRPr lang="en-US"/>
+            <a:endParaRPr lang="en-US" dirty="0"/>
           </a:p>
         </p:txBody>
       </p:sp>
@@ -3297,7 +3299,7 @@
             </a:lvl1pPr>
           </a:lstStyle>
           <a:p>
-            <a:endParaRPr lang="en-US"/>
+            <a:endParaRPr lang="en-US" dirty="0"/>
           </a:p>
         </p:txBody>
       </p:sp>
@@ -3336,7 +3338,7 @@
               <a:rPr lang="en-US" smtClean="0"/>
               <a:t>‹#›</a:t>
             </a:fld>
-            <a:endParaRPr lang="en-US"/>
+            <a:endParaRPr lang="en-US" dirty="0"/>
           </a:p>
         </p:txBody>
       </p:sp>
@@ -4027,6 +4029,21 @@
             </a:pPr>
             <a:r>
               <a:rPr lang="en-US" dirty="0" smtClean="0"/>
+              <a:t>Objective: To help small businesses (government contractors) make informative decisions around competing for bids based off any potential relationships between NAICS and obligation dollars from large prime vendors who are contractually obligated to allocate funds to work with small businesses.</a:t>
+            </a:r>
+          </a:p>
+          <a:p>
+            <a:pPr marL="0" indent="0">
+              <a:buNone/>
+            </a:pPr>
+            <a:endParaRPr lang="en-US" dirty="0"/>
+          </a:p>
+          <a:p>
+            <a:pPr marL="0" indent="0">
+              <a:buNone/>
+            </a:pPr>
+            <a:r>
+              <a:rPr lang="en-US" dirty="0" smtClean="0"/>
               <a:t>1) What’s the relationship between action obligation dollars and NAICS code, if any? </a:t>
             </a:r>
           </a:p>
@@ -4420,6 +4437,185 @@
     <p:extLst>
       <p:ext uri="{BB962C8B-B14F-4D97-AF65-F5344CB8AC3E}">
         <p14:creationId xmlns:p14="http://schemas.microsoft.com/office/powerpoint/2010/main" val="3264858228"/>
+      </p:ext>
+    </p:extLst>
+  </p:cSld>
+  <p:clrMapOvr>
+    <a:masterClrMapping/>
+  </p:clrMapOvr>
+</p:sld>
+</file>
+
+<file path=ppt/slides/slide7.xml><?xml version="1.0" encoding="utf-8"?>
+<p:sld xmlns:a="http://schemas.openxmlformats.org/drawingml/2006/main" xmlns:r="http://schemas.openxmlformats.org/officeDocument/2006/relationships" xmlns:p="http://schemas.openxmlformats.org/presentationml/2006/main">
+  <p:cSld>
+    <p:spTree>
+      <p:nvGrpSpPr>
+        <p:cNvPr id="1" name=""/>
+        <p:cNvGrpSpPr/>
+        <p:nvPr/>
+      </p:nvGrpSpPr>
+      <p:grpSpPr>
+        <a:xfrm>
+          <a:off x="0" y="0"/>
+          <a:ext cx="0" cy="0"/>
+          <a:chOff x="0" y="0"/>
+          <a:chExt cx="0" cy="0"/>
+        </a:xfrm>
+      </p:grpSpPr>
+      <p:sp>
+        <p:nvSpPr>
+          <p:cNvPr id="2" name="Title 1"/>
+          <p:cNvSpPr>
+            <a:spLocks noGrp="1"/>
+          </p:cNvSpPr>
+          <p:nvPr>
+            <p:ph type="title"/>
+          </p:nvPr>
+        </p:nvSpPr>
+        <p:spPr/>
+        <p:txBody>
+          <a:bodyPr/>
+          <a:lstStyle/>
+          <a:p>
+            <a:r>
+              <a:rPr lang="en-US" dirty="0" smtClean="0"/>
+              <a:t>Observations and Questions for enhancements </a:t>
+            </a:r>
+            <a:endParaRPr lang="en-US" dirty="0"/>
+          </a:p>
+        </p:txBody>
+      </p:sp>
+      <p:sp>
+        <p:nvSpPr>
+          <p:cNvPr id="3" name="Content Placeholder 2"/>
+          <p:cNvSpPr>
+            <a:spLocks noGrp="1"/>
+          </p:cNvSpPr>
+          <p:nvPr>
+            <p:ph sz="half" idx="1"/>
+          </p:nvPr>
+        </p:nvSpPr>
+        <p:spPr/>
+        <p:txBody>
+          <a:bodyPr/>
+          <a:lstStyle/>
+          <a:p>
+            <a:r>
+              <a:rPr lang="en-US" dirty="0" smtClean="0"/>
+              <a:t>This clearly didn’t work, but why? A boxplot only shows the range of dollars for each NAICS category, but it’s not enlightening on potential relationships between NAICS and dollars. It just shows with </a:t>
+            </a:r>
+            <a:endParaRPr lang="en-US" dirty="0"/>
+          </a:p>
+        </p:txBody>
+      </p:sp>
+      <p:sp>
+        <p:nvSpPr>
+          <p:cNvPr id="4" name="Content Placeholder 3"/>
+          <p:cNvSpPr>
+            <a:spLocks noGrp="1"/>
+          </p:cNvSpPr>
+          <p:nvPr>
+            <p:ph sz="half" idx="2"/>
+          </p:nvPr>
+        </p:nvSpPr>
+        <p:spPr/>
+        <p:txBody>
+          <a:bodyPr/>
+          <a:lstStyle/>
+          <a:p>
+            <a:endParaRPr lang="en-US"/>
+          </a:p>
+        </p:txBody>
+      </p:sp>
+    </p:spTree>
+    <p:extLst>
+      <p:ext uri="{BB962C8B-B14F-4D97-AF65-F5344CB8AC3E}">
+        <p14:creationId xmlns:p14="http://schemas.microsoft.com/office/powerpoint/2010/main" val="217241096"/>
+      </p:ext>
+    </p:extLst>
+  </p:cSld>
+  <p:clrMapOvr>
+    <a:masterClrMapping/>
+  </p:clrMapOvr>
+</p:sld>
+</file>
+
+<file path=ppt/slides/slide8.xml><?xml version="1.0" encoding="utf-8"?>
+<p:sld xmlns:a="http://schemas.openxmlformats.org/drawingml/2006/main" xmlns:r="http://schemas.openxmlformats.org/officeDocument/2006/relationships" xmlns:p="http://schemas.openxmlformats.org/presentationml/2006/main">
+  <p:cSld>
+    <p:spTree>
+      <p:nvGrpSpPr>
+        <p:cNvPr id="1" name=""/>
+        <p:cNvGrpSpPr/>
+        <p:nvPr/>
+      </p:nvGrpSpPr>
+      <p:grpSpPr>
+        <a:xfrm>
+          <a:off x="0" y="0"/>
+          <a:ext cx="0" cy="0"/>
+          <a:chOff x="0" y="0"/>
+          <a:chExt cx="0" cy="0"/>
+        </a:xfrm>
+      </p:grpSpPr>
+      <p:sp>
+        <p:nvSpPr>
+          <p:cNvPr id="2" name="Title 1"/>
+          <p:cNvSpPr>
+            <a:spLocks noGrp="1"/>
+          </p:cNvSpPr>
+          <p:nvPr>
+            <p:ph type="title"/>
+          </p:nvPr>
+        </p:nvSpPr>
+        <p:spPr/>
+        <p:txBody>
+          <a:bodyPr/>
+          <a:lstStyle/>
+          <a:p>
+            <a:r>
+              <a:rPr lang="en-US" dirty="0" smtClean="0"/>
+              <a:t>Sources </a:t>
+            </a:r>
+            <a:endParaRPr lang="en-US" dirty="0"/>
+          </a:p>
+        </p:txBody>
+      </p:sp>
+      <p:sp>
+        <p:nvSpPr>
+          <p:cNvPr id="3" name="Content Placeholder 2"/>
+          <p:cNvSpPr>
+            <a:spLocks noGrp="1"/>
+          </p:cNvSpPr>
+          <p:nvPr>
+            <p:ph idx="1"/>
+          </p:nvPr>
+        </p:nvSpPr>
+        <p:spPr/>
+        <p:txBody>
+          <a:bodyPr/>
+          <a:lstStyle/>
+          <a:p>
+            <a:r>
+              <a:rPr lang="en-US" dirty="0">
+                <a:hlinkClick r:id="rId2"/>
+              </a:rPr>
+              <a:t>https://</a:t>
+            </a:r>
+            <a:r>
+              <a:rPr lang="en-US" dirty="0" smtClean="0">
+                <a:hlinkClick r:id="rId2"/>
+              </a:rPr>
+              <a:t>www.gsa.gov/governmentwide-initiatives/gsa-open-data/gsa-datasets</a:t>
+            </a:r>
+            <a:endParaRPr lang="en-US" dirty="0"/>
+          </a:p>
+        </p:txBody>
+      </p:sp>
+    </p:spTree>
+    <p:extLst>
+      <p:ext uri="{BB962C8B-B14F-4D97-AF65-F5344CB8AC3E}">
+        <p14:creationId xmlns:p14="http://schemas.microsoft.com/office/powerpoint/2010/main" val="3258500648"/>
       </p:ext>
     </p:extLst>
   </p:cSld>
